--- a/Presentación/Hito 2/Duo Bot_Hito 2.pptx
+++ b/Presentación/Hito 2/Duo Bot_Hito 2.pptx
@@ -7,13 +7,10 @@
   <p:sldIdLst>
     <p:sldId id="256" r:id="rId2"/>
     <p:sldId id="257" r:id="rId3"/>
-    <p:sldId id="258" r:id="rId4"/>
-    <p:sldId id="259" r:id="rId5"/>
-    <p:sldId id="260" r:id="rId6"/>
-    <p:sldId id="261" r:id="rId7"/>
-    <p:sldId id="262" r:id="rId8"/>
-    <p:sldId id="263" r:id="rId9"/>
-    <p:sldId id="264" r:id="rId10"/>
+    <p:sldId id="260" r:id="rId4"/>
+    <p:sldId id="262" r:id="rId5"/>
+    <p:sldId id="263" r:id="rId6"/>
+    <p:sldId id="264" r:id="rId7"/>
   </p:sldIdLst>
   <p:sldSz cx="9144000" cy="6858000" type="screen4x3"/>
   <p:notesSz cx="6858000" cy="9144000"/>
@@ -296,7 +293,7 @@
           <a:p>
             <a:fld id="{3FAFE21F-F6A6-4E6E-89EF-7579FEDCEE9C}" type="datetimeFigureOut">
               <a:rPr lang="es-ES" smtClean="0"/>
-              <a:t>16/11/2019</a:t>
+              <a:t>17/11/2019</a:t>
             </a:fld>
             <a:endParaRPr lang="es-ES"/>
           </a:p>
@@ -466,7 +463,7 @@
           <a:p>
             <a:fld id="{3FAFE21F-F6A6-4E6E-89EF-7579FEDCEE9C}" type="datetimeFigureOut">
               <a:rPr lang="es-ES" smtClean="0"/>
-              <a:t>16/11/2019</a:t>
+              <a:t>17/11/2019</a:t>
             </a:fld>
             <a:endParaRPr lang="es-ES"/>
           </a:p>
@@ -646,7 +643,7 @@
           <a:p>
             <a:fld id="{3FAFE21F-F6A6-4E6E-89EF-7579FEDCEE9C}" type="datetimeFigureOut">
               <a:rPr lang="es-ES" smtClean="0"/>
-              <a:t>16/11/2019</a:t>
+              <a:t>17/11/2019</a:t>
             </a:fld>
             <a:endParaRPr lang="es-ES"/>
           </a:p>
@@ -816,7 +813,7 @@
           <a:p>
             <a:fld id="{3FAFE21F-F6A6-4E6E-89EF-7579FEDCEE9C}" type="datetimeFigureOut">
               <a:rPr lang="es-ES" smtClean="0"/>
-              <a:t>16/11/2019</a:t>
+              <a:t>17/11/2019</a:t>
             </a:fld>
             <a:endParaRPr lang="es-ES"/>
           </a:p>
@@ -1062,7 +1059,7 @@
           <a:p>
             <a:fld id="{3FAFE21F-F6A6-4E6E-89EF-7579FEDCEE9C}" type="datetimeFigureOut">
               <a:rPr lang="es-ES" smtClean="0"/>
-              <a:t>16/11/2019</a:t>
+              <a:t>17/11/2019</a:t>
             </a:fld>
             <a:endParaRPr lang="es-ES"/>
           </a:p>
@@ -1350,7 +1347,7 @@
           <a:p>
             <a:fld id="{3FAFE21F-F6A6-4E6E-89EF-7579FEDCEE9C}" type="datetimeFigureOut">
               <a:rPr lang="es-ES" smtClean="0"/>
-              <a:t>16/11/2019</a:t>
+              <a:t>17/11/2019</a:t>
             </a:fld>
             <a:endParaRPr lang="es-ES"/>
           </a:p>
@@ -1772,7 +1769,7 @@
           <a:p>
             <a:fld id="{3FAFE21F-F6A6-4E6E-89EF-7579FEDCEE9C}" type="datetimeFigureOut">
               <a:rPr lang="es-ES" smtClean="0"/>
-              <a:t>16/11/2019</a:t>
+              <a:t>17/11/2019</a:t>
             </a:fld>
             <a:endParaRPr lang="es-ES"/>
           </a:p>
@@ -1890,7 +1887,7 @@
           <a:p>
             <a:fld id="{3FAFE21F-F6A6-4E6E-89EF-7579FEDCEE9C}" type="datetimeFigureOut">
               <a:rPr lang="es-ES" smtClean="0"/>
-              <a:t>16/11/2019</a:t>
+              <a:t>17/11/2019</a:t>
             </a:fld>
             <a:endParaRPr lang="es-ES"/>
           </a:p>
@@ -1985,7 +1982,7 @@
           <a:p>
             <a:fld id="{3FAFE21F-F6A6-4E6E-89EF-7579FEDCEE9C}" type="datetimeFigureOut">
               <a:rPr lang="es-ES" smtClean="0"/>
-              <a:t>16/11/2019</a:t>
+              <a:t>17/11/2019</a:t>
             </a:fld>
             <a:endParaRPr lang="es-ES"/>
           </a:p>
@@ -2262,7 +2259,7 @@
           <a:p>
             <a:fld id="{3FAFE21F-F6A6-4E6E-89EF-7579FEDCEE9C}" type="datetimeFigureOut">
               <a:rPr lang="es-ES" smtClean="0"/>
-              <a:t>16/11/2019</a:t>
+              <a:t>17/11/2019</a:t>
             </a:fld>
             <a:endParaRPr lang="es-ES"/>
           </a:p>
@@ -2515,7 +2512,7 @@
           <a:p>
             <a:fld id="{3FAFE21F-F6A6-4E6E-89EF-7579FEDCEE9C}" type="datetimeFigureOut">
               <a:rPr lang="es-ES" smtClean="0"/>
-              <a:t>16/11/2019</a:t>
+              <a:t>17/11/2019</a:t>
             </a:fld>
             <a:endParaRPr lang="es-ES"/>
           </a:p>
@@ -2728,7 +2725,7 @@
           <a:p>
             <a:fld id="{3FAFE21F-F6A6-4E6E-89EF-7579FEDCEE9C}" type="datetimeFigureOut">
               <a:rPr lang="es-ES" smtClean="0"/>
-              <a:t>16/11/2019</a:t>
+              <a:t>17/11/2019</a:t>
             </a:fld>
             <a:endParaRPr lang="es-ES"/>
           </a:p>
@@ -3089,6 +3086,20 @@
 <file path=ppt/slides/slide1.xml><?xml version="1.0" encoding="utf-8"?>
 <p:sld xmlns:a="http://schemas.openxmlformats.org/drawingml/2006/main" xmlns:r="http://schemas.openxmlformats.org/officeDocument/2006/relationships" xmlns:p="http://schemas.openxmlformats.org/presentationml/2006/main">
   <p:cSld>
+    <p:bg>
+      <p:bgPr>
+        <a:blipFill dpi="0" rotWithShape="1">
+          <a:blip r:embed="rId2">
+            <a:lum/>
+          </a:blip>
+          <a:srcRect/>
+          <a:stretch>
+            <a:fillRect l="-10000" r="-10000"/>
+          </a:stretch>
+        </a:blipFill>
+        <a:effectLst/>
+      </p:bgPr>
+    </p:bg>
     <p:spTree>
       <p:nvGrpSpPr>
         <p:cNvPr id="1" name=""/>
@@ -3105,24 +3116,31 @@
       </p:grpSpPr>
       <p:sp>
         <p:nvSpPr>
-          <p:cNvPr id="2" name="1 Título"/>
-          <p:cNvSpPr>
-            <a:spLocks noGrp="1"/>
-          </p:cNvSpPr>
-          <p:nvPr>
-            <p:ph type="ctrTitle"/>
-          </p:nvPr>
-        </p:nvSpPr>
-        <p:spPr/>
-        <p:txBody>
-          <a:bodyPr/>
-          <a:lstStyle/>
-          <a:p>
-            <a:r>
-              <a:rPr lang="es-ES" dirty="0" smtClean="0"/>
-              <a:t>2DASH</a:t>
-            </a:r>
-            <a:endParaRPr lang="es-ES" dirty="0"/>
+          <p:cNvPr id="4" name="3 CuadroTexto"/>
+          <p:cNvSpPr txBox="1"/>
+          <p:nvPr/>
+        </p:nvSpPr>
+        <p:spPr>
+          <a:xfrm>
+            <a:off x="6577272" y="6604084"/>
+            <a:ext cx="2566728" cy="253916"/>
+          </a:xfrm>
+          <a:prstGeom prst="rect">
+            <a:avLst/>
+          </a:prstGeom>
+          <a:noFill/>
+        </p:spPr>
+        <p:txBody>
+          <a:bodyPr wrap="none" rtlCol="0">
+            <a:spAutoFit/>
+          </a:bodyPr>
+          <a:lstStyle/>
+          <a:p>
+            <a:r>
+              <a:rPr lang="es-ES" sz="1050" dirty="0" smtClean="0"/>
+              <a:t>No, no estamos asociados con estas marcas</a:t>
+            </a:r>
+            <a:endParaRPr lang="es-ES" sz="1050" dirty="0"/>
           </a:p>
         </p:txBody>
       </p:sp>
@@ -3142,6 +3160,20 @@
 <file path=ppt/slides/slide2.xml><?xml version="1.0" encoding="utf-8"?>
 <p:sld xmlns:a="http://schemas.openxmlformats.org/drawingml/2006/main" xmlns:r="http://schemas.openxmlformats.org/officeDocument/2006/relationships" xmlns:p="http://schemas.openxmlformats.org/presentationml/2006/main">
   <p:cSld>
+    <p:bg>
+      <p:bgPr>
+        <a:blipFill dpi="0" rotWithShape="1">
+          <a:blip r:embed="rId2">
+            <a:lum/>
+          </a:blip>
+          <a:srcRect/>
+          <a:stretch>
+            <a:fillRect l="-17000" r="-17000"/>
+          </a:stretch>
+        </a:blipFill>
+        <a:effectLst/>
+      </p:bgPr>
+    </p:bg>
     <p:spTree>
       <p:nvGrpSpPr>
         <p:cNvPr id="1" name=""/>
@@ -3156,54 +3188,6 @@
           <a:chExt cx="0" cy="0"/>
         </a:xfrm>
       </p:grpSpPr>
-      <p:sp>
-        <p:nvSpPr>
-          <p:cNvPr id="2" name="1 Título"/>
-          <p:cNvSpPr>
-            <a:spLocks noGrp="1"/>
-          </p:cNvSpPr>
-          <p:nvPr>
-            <p:ph type="title"/>
-          </p:nvPr>
-        </p:nvSpPr>
-        <p:spPr/>
-        <p:txBody>
-          <a:bodyPr/>
-          <a:lstStyle/>
-          <a:p>
-            <a:r>
-              <a:rPr lang="es-ES" dirty="0" smtClean="0"/>
-              <a:t>Problemas</a:t>
-            </a:r>
-            <a:endParaRPr lang="es-ES" dirty="0"/>
-          </a:p>
-        </p:txBody>
-      </p:sp>
-      <p:sp>
-        <p:nvSpPr>
-          <p:cNvPr id="3" name="2 Marcador de contenido"/>
-          <p:cNvSpPr>
-            <a:spLocks noGrp="1"/>
-          </p:cNvSpPr>
-          <p:nvPr>
-            <p:ph idx="1"/>
-          </p:nvPr>
-        </p:nvSpPr>
-        <p:spPr/>
-        <p:txBody>
-          <a:bodyPr/>
-          <a:lstStyle/>
-          <a:p>
-            <a:pPr marL="0" indent="0">
-              <a:buNone/>
-            </a:pPr>
-            <a:r>
-              <a:rPr lang="es-ES" dirty="0" smtClean="0"/>
-              <a:t>Hicimos ya el juego, el voluntario estaba ya preparado y se fue a enfrentar al CONSTRUCT-0R.</a:t>
-            </a:r>
-          </a:p>
-        </p:txBody>
-      </p:sp>
     </p:spTree>
     <p:extLst>
       <p:ext uri="{BB962C8B-B14F-4D97-AF65-F5344CB8AC3E}">
@@ -3220,6 +3204,20 @@
 <file path=ppt/slides/slide3.xml><?xml version="1.0" encoding="utf-8"?>
 <p:sld xmlns:a="http://schemas.openxmlformats.org/drawingml/2006/main" xmlns:r="http://schemas.openxmlformats.org/officeDocument/2006/relationships" xmlns:p="http://schemas.openxmlformats.org/presentationml/2006/main">
   <p:cSld>
+    <p:bg>
+      <p:bgPr>
+        <a:blipFill dpi="0" rotWithShape="1">
+          <a:blip r:embed="rId2">
+            <a:lum/>
+          </a:blip>
+          <a:srcRect/>
+          <a:stretch>
+            <a:fillRect l="-17000" r="-17000"/>
+          </a:stretch>
+        </a:blipFill>
+        <a:effectLst/>
+      </p:bgPr>
+    </p:bg>
     <p:spTree>
       <p:nvGrpSpPr>
         <p:cNvPr id="1" name=""/>
@@ -3234,113 +3232,100 @@
           <a:chExt cx="0" cy="0"/>
         </a:xfrm>
       </p:grpSpPr>
-      <p:sp>
-        <p:nvSpPr>
-          <p:cNvPr id="2" name="1 Título"/>
-          <p:cNvSpPr>
-            <a:spLocks noGrp="1"/>
-          </p:cNvSpPr>
-          <p:nvPr>
-            <p:ph type="title"/>
-          </p:nvPr>
-        </p:nvSpPr>
-        <p:spPr/>
-        <p:txBody>
-          <a:bodyPr/>
-          <a:lstStyle/>
-          <a:p>
-            <a:r>
-              <a:rPr lang="es-ES" dirty="0" smtClean="0"/>
-              <a:t>Problemas</a:t>
-            </a:r>
-            <a:endParaRPr lang="es-ES" dirty="0"/>
-          </a:p>
-        </p:txBody>
-      </p:sp>
-      <p:sp>
-        <p:nvSpPr>
-          <p:cNvPr id="3" name="2 Marcador de contenido"/>
-          <p:cNvSpPr>
-            <a:spLocks noGrp="1"/>
-          </p:cNvSpPr>
-          <p:nvPr>
-            <p:ph idx="1"/>
-          </p:nvPr>
-        </p:nvSpPr>
-        <p:spPr/>
-        <p:txBody>
-          <a:bodyPr/>
-          <a:lstStyle/>
-          <a:p>
-            <a:pPr marL="0" indent="0">
-              <a:buNone/>
-            </a:pPr>
-            <a:r>
-              <a:rPr lang="es-ES" dirty="0" smtClean="0"/>
-              <a:t>Tuvo problemas en el combate…</a:t>
-            </a:r>
-          </a:p>
-          <a:p>
-            <a:pPr marL="0" indent="0">
-              <a:buNone/>
-            </a:pPr>
-            <a:r>
-              <a:rPr lang="es-ES" dirty="0" smtClean="0"/>
-              <a:t>-Murió.</a:t>
-            </a:r>
-          </a:p>
-          <a:p>
-            <a:pPr marL="0" indent="0">
-              <a:buNone/>
-            </a:pPr>
-            <a:r>
-              <a:rPr lang="es-ES" dirty="0" smtClean="0"/>
-              <a:t>-Sí, murió.</a:t>
-            </a:r>
-          </a:p>
-          <a:p>
-            <a:pPr marL="0" indent="0">
-              <a:buNone/>
-            </a:pPr>
-            <a:r>
-              <a:rPr lang="es-ES" dirty="0" smtClean="0"/>
-              <a:t>-Fue hecho cachitos.</a:t>
-            </a:r>
-          </a:p>
-          <a:p>
-            <a:pPr marL="0" indent="0">
-              <a:buNone/>
-            </a:pPr>
-            <a:r>
-              <a:rPr lang="es-ES" dirty="0" smtClean="0"/>
-              <a:t>-Sí.</a:t>
-            </a:r>
-          </a:p>
-          <a:p>
-            <a:pPr marL="0" indent="0">
-              <a:buNone/>
-            </a:pPr>
-            <a:r>
-              <a:rPr lang="es-ES" dirty="0" smtClean="0"/>
-              <a:t>-Destrozado.</a:t>
-            </a:r>
-          </a:p>
-          <a:p>
-            <a:pPr marL="0" indent="0">
-              <a:buNone/>
-            </a:pPr>
-            <a:r>
-              <a:rPr lang="es-ES" dirty="0" smtClean="0"/>
-              <a:t>Silencio.</a:t>
-            </a:r>
-            <a:endParaRPr lang="es-ES" dirty="0"/>
-          </a:p>
-        </p:txBody>
-      </p:sp>
+      <p:pic>
+        <p:nvPicPr>
+          <p:cNvPr id="7" name="6 Imagen"/>
+          <p:cNvPicPr>
+            <a:picLocks noChangeAspect="1"/>
+          </p:cNvPicPr>
+          <p:nvPr/>
+        </p:nvPicPr>
+        <p:blipFill>
+          <a:blip r:embed="rId3" cstate="print">
+            <a:extLst>
+              <a:ext uri="{28A0092B-C50C-407E-A947-70E740481C1C}">
+                <a14:useLocalDpi xmlns:a14="http://schemas.microsoft.com/office/drawing/2010/main" val="0"/>
+              </a:ext>
+            </a:extLst>
+          </a:blip>
+          <a:stretch>
+            <a:fillRect/>
+          </a:stretch>
+        </p:blipFill>
+        <p:spPr>
+          <a:xfrm>
+            <a:off x="6300192" y="620688"/>
+            <a:ext cx="1224136" cy="1224136"/>
+          </a:xfrm>
+          <a:prstGeom prst="rect">
+            <a:avLst/>
+          </a:prstGeom>
+        </p:spPr>
+      </p:pic>
+      <p:pic>
+        <p:nvPicPr>
+          <p:cNvPr id="8" name="7 Imagen"/>
+          <p:cNvPicPr>
+            <a:picLocks noChangeAspect="1"/>
+          </p:cNvPicPr>
+          <p:nvPr/>
+        </p:nvPicPr>
+        <p:blipFill>
+          <a:blip r:embed="rId4" cstate="print">
+            <a:extLst>
+              <a:ext uri="{28A0092B-C50C-407E-A947-70E740481C1C}">
+                <a14:useLocalDpi xmlns:a14="http://schemas.microsoft.com/office/drawing/2010/main" val="0"/>
+              </a:ext>
+            </a:extLst>
+          </a:blip>
+          <a:stretch>
+            <a:fillRect/>
+          </a:stretch>
+        </p:blipFill>
+        <p:spPr>
+          <a:xfrm>
+            <a:off x="7092280" y="3212976"/>
+            <a:ext cx="864096" cy="864096"/>
+          </a:xfrm>
+          <a:prstGeom prst="rect">
+            <a:avLst/>
+          </a:prstGeom>
+        </p:spPr>
+      </p:pic>
+      <p:pic>
+        <p:nvPicPr>
+          <p:cNvPr id="9" name="8 Imagen"/>
+          <p:cNvPicPr>
+            <a:picLocks noChangeAspect="1"/>
+          </p:cNvPicPr>
+          <p:nvPr/>
+        </p:nvPicPr>
+        <p:blipFill>
+          <a:blip r:embed="rId4" cstate="print">
+            <a:extLst>
+              <a:ext uri="{28A0092B-C50C-407E-A947-70E740481C1C}">
+                <a14:useLocalDpi xmlns:a14="http://schemas.microsoft.com/office/drawing/2010/main" val="0"/>
+              </a:ext>
+            </a:extLst>
+          </a:blip>
+          <a:stretch>
+            <a:fillRect/>
+          </a:stretch>
+        </p:blipFill>
+        <p:spPr>
+          <a:xfrm>
+            <a:off x="8748464" y="3212976"/>
+            <a:ext cx="864096" cy="864096"/>
+          </a:xfrm>
+          <a:prstGeom prst="rect">
+            <a:avLst/>
+          </a:prstGeom>
+        </p:spPr>
+      </p:pic>
     </p:spTree>
     <p:extLst>
       <p:ext uri="{BB962C8B-B14F-4D97-AF65-F5344CB8AC3E}">
-        <p14:creationId xmlns:p14="http://schemas.microsoft.com/office/powerpoint/2010/main" val="209836528"/>
+        <p14:creationId xmlns:p14="http://schemas.microsoft.com/office/powerpoint/2010/main" val="969595518"/>
       </p:ext>
     </p:extLst>
   </p:cSld>
@@ -3353,6 +3338,20 @@
 <file path=ppt/slides/slide4.xml><?xml version="1.0" encoding="utf-8"?>
 <p:sld xmlns:a="http://schemas.openxmlformats.org/drawingml/2006/main" xmlns:r="http://schemas.openxmlformats.org/officeDocument/2006/relationships" xmlns:p="http://schemas.openxmlformats.org/presentationml/2006/main">
   <p:cSld>
+    <p:bg>
+      <p:bgPr>
+        <a:blipFill dpi="0" rotWithShape="1">
+          <a:blip r:embed="rId2">
+            <a:lum/>
+          </a:blip>
+          <a:srcRect/>
+          <a:stretch>
+            <a:fillRect l="-7000" r="-5000"/>
+          </a:stretch>
+        </a:blipFill>
+        <a:effectLst/>
+      </p:bgPr>
+    </p:bg>
     <p:spTree>
       <p:nvGrpSpPr>
         <p:cNvPr id="1" name=""/>
@@ -3367,59 +3366,10 @@
           <a:chExt cx="0" cy="0"/>
         </a:xfrm>
       </p:grpSpPr>
-      <p:sp>
-        <p:nvSpPr>
-          <p:cNvPr id="2" name="1 Título"/>
-          <p:cNvSpPr>
-            <a:spLocks noGrp="1"/>
-          </p:cNvSpPr>
-          <p:nvPr>
-            <p:ph type="title"/>
-          </p:nvPr>
-        </p:nvSpPr>
-        <p:spPr/>
-        <p:txBody>
-          <a:bodyPr/>
-          <a:lstStyle/>
-          <a:p>
-            <a:r>
-              <a:rPr lang="es-ES" dirty="0" smtClean="0"/>
-              <a:t>Solución</a:t>
-            </a:r>
-            <a:endParaRPr lang="es-ES" dirty="0"/>
-          </a:p>
-        </p:txBody>
-      </p:sp>
-      <p:sp>
-        <p:nvSpPr>
-          <p:cNvPr id="3" name="2 Marcador de contenido"/>
-          <p:cNvSpPr>
-            <a:spLocks noGrp="1"/>
-          </p:cNvSpPr>
-          <p:nvPr>
-            <p:ph idx="1"/>
-          </p:nvPr>
-        </p:nvSpPr>
-        <p:spPr/>
-        <p:txBody>
-          <a:bodyPr/>
-          <a:lstStyle/>
-          <a:p>
-            <a:pPr marL="0" indent="0">
-              <a:buNone/>
-            </a:pPr>
-            <a:r>
-              <a:rPr lang="es-ES" dirty="0" smtClean="0"/>
-              <a:t>Por suerte, se ha ofrecido otro agente a saltar por las azoteas de la cuidad. Y esta vez no cometeremos el mismo error: vamos a continuar el desarrollo del juego.</a:t>
-            </a:r>
-            <a:endParaRPr lang="es-ES" dirty="0"/>
-          </a:p>
-        </p:txBody>
-      </p:sp>
     </p:spTree>
     <p:extLst>
       <p:ext uri="{BB962C8B-B14F-4D97-AF65-F5344CB8AC3E}">
-        <p14:creationId xmlns:p14="http://schemas.microsoft.com/office/powerpoint/2010/main" val="1355538716"/>
+        <p14:creationId xmlns:p14="http://schemas.microsoft.com/office/powerpoint/2010/main" val="184255913"/>
       </p:ext>
     </p:extLst>
   </p:cSld>
@@ -3432,6 +3382,20 @@
 <file path=ppt/slides/slide5.xml><?xml version="1.0" encoding="utf-8"?>
 <p:sld xmlns:a="http://schemas.openxmlformats.org/drawingml/2006/main" xmlns:r="http://schemas.openxmlformats.org/officeDocument/2006/relationships" xmlns:p="http://schemas.openxmlformats.org/presentationml/2006/main">
   <p:cSld>
+    <p:bg>
+      <p:bgPr>
+        <a:blipFill dpi="0" rotWithShape="1">
+          <a:blip r:embed="rId2">
+            <a:lum/>
+          </a:blip>
+          <a:srcRect/>
+          <a:stretch>
+            <a:fillRect l="-16000" r="-12000"/>
+          </a:stretch>
+        </a:blipFill>
+        <a:effectLst/>
+      </p:bgPr>
+    </p:bg>
     <p:spTree>
       <p:nvGrpSpPr>
         <p:cNvPr id="1" name=""/>
@@ -3446,59 +3410,10 @@
           <a:chExt cx="0" cy="0"/>
         </a:xfrm>
       </p:grpSpPr>
-      <p:sp>
-        <p:nvSpPr>
-          <p:cNvPr id="2" name="1 Título"/>
-          <p:cNvSpPr>
-            <a:spLocks noGrp="1"/>
-          </p:cNvSpPr>
-          <p:nvPr>
-            <p:ph type="title"/>
-          </p:nvPr>
-        </p:nvSpPr>
-        <p:spPr/>
-        <p:txBody>
-          <a:bodyPr/>
-          <a:lstStyle/>
-          <a:p>
-            <a:r>
-              <a:rPr lang="es-ES" dirty="0" smtClean="0"/>
-              <a:t>Al grano</a:t>
-            </a:r>
-            <a:endParaRPr lang="es-ES" dirty="0"/>
-          </a:p>
-        </p:txBody>
-      </p:sp>
-      <p:sp>
-        <p:nvSpPr>
-          <p:cNvPr id="6" name="5 Marcador de contenido"/>
-          <p:cNvSpPr>
-            <a:spLocks noGrp="1"/>
-          </p:cNvSpPr>
-          <p:nvPr>
-            <p:ph idx="1"/>
-          </p:nvPr>
-        </p:nvSpPr>
-        <p:spPr/>
-        <p:txBody>
-          <a:bodyPr/>
-          <a:lstStyle/>
-          <a:p>
-            <a:pPr marL="0" indent="0">
-              <a:buNone/>
-            </a:pPr>
-            <a:r>
-              <a:rPr lang="es-ES" dirty="0" smtClean="0"/>
-              <a:t>Durante este tiempo hemos hecho coleccionables, enemigos, obstáculos y un primer nivel de prueba.</a:t>
-            </a:r>
-            <a:endParaRPr lang="es-ES" dirty="0"/>
-          </a:p>
-        </p:txBody>
-      </p:sp>
     </p:spTree>
     <p:extLst>
       <p:ext uri="{BB962C8B-B14F-4D97-AF65-F5344CB8AC3E}">
-        <p14:creationId xmlns:p14="http://schemas.microsoft.com/office/powerpoint/2010/main" val="969595518"/>
+        <p14:creationId xmlns:p14="http://schemas.microsoft.com/office/powerpoint/2010/main" val="1209496055"/>
       </p:ext>
     </p:extLst>
   </p:cSld>
@@ -3511,6 +3426,20 @@
 <file path=ppt/slides/slide6.xml><?xml version="1.0" encoding="utf-8"?>
 <p:sld xmlns:a="http://schemas.openxmlformats.org/drawingml/2006/main" xmlns:r="http://schemas.openxmlformats.org/officeDocument/2006/relationships" xmlns:p="http://schemas.openxmlformats.org/presentationml/2006/main">
   <p:cSld>
+    <p:bg>
+      <p:bgPr>
+        <a:blipFill dpi="0" rotWithShape="1">
+          <a:blip r:embed="rId2">
+            <a:lum/>
+          </a:blip>
+          <a:srcRect/>
+          <a:stretch>
+            <a:fillRect/>
+          </a:stretch>
+        </a:blipFill>
+        <a:effectLst/>
+      </p:bgPr>
+    </p:bg>
     <p:spTree>
       <p:nvGrpSpPr>
         <p:cNvPr id="1" name=""/>
@@ -3525,289 +3454,6 @@
           <a:chExt cx="0" cy="0"/>
         </a:xfrm>
       </p:grpSpPr>
-      <p:sp>
-        <p:nvSpPr>
-          <p:cNvPr id="2" name="1 Título"/>
-          <p:cNvSpPr>
-            <a:spLocks noGrp="1"/>
-          </p:cNvSpPr>
-          <p:nvPr>
-            <p:ph type="title"/>
-          </p:nvPr>
-        </p:nvSpPr>
-        <p:spPr/>
-        <p:txBody>
-          <a:bodyPr/>
-          <a:lstStyle/>
-          <a:p>
-            <a:r>
-              <a:rPr lang="es-ES" dirty="0" smtClean="0"/>
-              <a:t>Al grano 2</a:t>
-            </a:r>
-            <a:endParaRPr lang="es-ES" dirty="0"/>
-          </a:p>
-        </p:txBody>
-      </p:sp>
-      <p:sp>
-        <p:nvSpPr>
-          <p:cNvPr id="3" name="2 Marcador de contenido"/>
-          <p:cNvSpPr>
-            <a:spLocks noGrp="1"/>
-          </p:cNvSpPr>
-          <p:nvPr>
-            <p:ph idx="1"/>
-          </p:nvPr>
-        </p:nvSpPr>
-        <p:spPr/>
-        <p:txBody>
-          <a:bodyPr/>
-          <a:lstStyle/>
-          <a:p>
-            <a:pPr marL="0" indent="0">
-              <a:buNone/>
-            </a:pPr>
-            <a:r>
-              <a:rPr lang="es-ES" dirty="0" smtClean="0"/>
-              <a:t>FOTO DEL NIVEL, explicar un poco por encima.</a:t>
-            </a:r>
-            <a:endParaRPr lang="es-ES" dirty="0"/>
-          </a:p>
-        </p:txBody>
-      </p:sp>
-    </p:spTree>
-    <p:extLst>
-      <p:ext uri="{BB962C8B-B14F-4D97-AF65-F5344CB8AC3E}">
-        <p14:creationId xmlns:p14="http://schemas.microsoft.com/office/powerpoint/2010/main" val="2187112650"/>
-      </p:ext>
-    </p:extLst>
-  </p:cSld>
-  <p:clrMapOvr>
-    <a:masterClrMapping/>
-  </p:clrMapOvr>
-</p:sld>
-</file>
-
-<file path=ppt/slides/slide7.xml><?xml version="1.0" encoding="utf-8"?>
-<p:sld xmlns:a="http://schemas.openxmlformats.org/drawingml/2006/main" xmlns:r="http://schemas.openxmlformats.org/officeDocument/2006/relationships" xmlns:p="http://schemas.openxmlformats.org/presentationml/2006/main">
-  <p:cSld>
-    <p:spTree>
-      <p:nvGrpSpPr>
-        <p:cNvPr id="1" name=""/>
-        <p:cNvGrpSpPr/>
-        <p:nvPr/>
-      </p:nvGrpSpPr>
-      <p:grpSpPr>
-        <a:xfrm>
-          <a:off x="0" y="0"/>
-          <a:ext cx="0" cy="0"/>
-          <a:chOff x="0" y="0"/>
-          <a:chExt cx="0" cy="0"/>
-        </a:xfrm>
-      </p:grpSpPr>
-      <p:sp>
-        <p:nvSpPr>
-          <p:cNvPr id="2" name="1 Título"/>
-          <p:cNvSpPr>
-            <a:spLocks noGrp="1"/>
-          </p:cNvSpPr>
-          <p:nvPr>
-            <p:ph type="title"/>
-          </p:nvPr>
-        </p:nvSpPr>
-        <p:spPr/>
-        <p:txBody>
-          <a:bodyPr/>
-          <a:lstStyle/>
-          <a:p>
-            <a:r>
-              <a:rPr lang="es-ES" dirty="0" smtClean="0"/>
-              <a:t>Desarrollo</a:t>
-            </a:r>
-            <a:endParaRPr lang="es-ES" dirty="0"/>
-          </a:p>
-        </p:txBody>
-      </p:sp>
-      <p:sp>
-        <p:nvSpPr>
-          <p:cNvPr id="3" name="2 Marcador de contenido"/>
-          <p:cNvSpPr>
-            <a:spLocks noGrp="1"/>
-          </p:cNvSpPr>
-          <p:nvPr>
-            <p:ph idx="1"/>
-          </p:nvPr>
-        </p:nvSpPr>
-        <p:spPr/>
-        <p:txBody>
-          <a:bodyPr/>
-          <a:lstStyle/>
-          <a:p>
-            <a:pPr marL="0" indent="0">
-              <a:buNone/>
-            </a:pPr>
-            <a:r>
-              <a:rPr lang="es-ES" dirty="0" smtClean="0"/>
-              <a:t>Durante el desarrollo hemos tenido problemas con la API, hemos pensado en descartar algunas cosas temporalmente.</a:t>
-            </a:r>
-            <a:endParaRPr lang="es-ES" dirty="0"/>
-          </a:p>
-        </p:txBody>
-      </p:sp>
-    </p:spTree>
-    <p:extLst>
-      <p:ext uri="{BB962C8B-B14F-4D97-AF65-F5344CB8AC3E}">
-        <p14:creationId xmlns:p14="http://schemas.microsoft.com/office/powerpoint/2010/main" val="184255913"/>
-      </p:ext>
-    </p:extLst>
-  </p:cSld>
-  <p:clrMapOvr>
-    <a:masterClrMapping/>
-  </p:clrMapOvr>
-</p:sld>
-</file>
-
-<file path=ppt/slides/slide8.xml><?xml version="1.0" encoding="utf-8"?>
-<p:sld xmlns:a="http://schemas.openxmlformats.org/drawingml/2006/main" xmlns:r="http://schemas.openxmlformats.org/officeDocument/2006/relationships" xmlns:p="http://schemas.openxmlformats.org/presentationml/2006/main">
-  <p:cSld>
-    <p:spTree>
-      <p:nvGrpSpPr>
-        <p:cNvPr id="1" name=""/>
-        <p:cNvGrpSpPr/>
-        <p:nvPr/>
-      </p:nvGrpSpPr>
-      <p:grpSpPr>
-        <a:xfrm>
-          <a:off x="0" y="0"/>
-          <a:ext cx="0" cy="0"/>
-          <a:chOff x="0" y="0"/>
-          <a:chExt cx="0" cy="0"/>
-        </a:xfrm>
-      </p:grpSpPr>
-      <p:sp>
-        <p:nvSpPr>
-          <p:cNvPr id="2" name="1 Título"/>
-          <p:cNvSpPr>
-            <a:spLocks noGrp="1"/>
-          </p:cNvSpPr>
-          <p:nvPr>
-            <p:ph type="title"/>
-          </p:nvPr>
-        </p:nvSpPr>
-        <p:spPr/>
-        <p:txBody>
-          <a:bodyPr/>
-          <a:lstStyle/>
-          <a:p>
-            <a:r>
-              <a:rPr lang="es-ES" dirty="0" err="1" smtClean="0"/>
-              <a:t>Palante</a:t>
-            </a:r>
-            <a:endParaRPr lang="es-ES" dirty="0"/>
-          </a:p>
-        </p:txBody>
-      </p:sp>
-      <p:sp>
-        <p:nvSpPr>
-          <p:cNvPr id="3" name="2 Marcador de contenido"/>
-          <p:cNvSpPr>
-            <a:spLocks noGrp="1"/>
-          </p:cNvSpPr>
-          <p:nvPr>
-            <p:ph idx="1"/>
-          </p:nvPr>
-        </p:nvSpPr>
-        <p:spPr/>
-        <p:txBody>
-          <a:bodyPr/>
-          <a:lstStyle/>
-          <a:p>
-            <a:pPr marL="0" indent="0">
-              <a:buNone/>
-            </a:pPr>
-            <a:r>
-              <a:rPr lang="es-ES" dirty="0" smtClean="0"/>
-              <a:t>Tenemos pensado hacer más niveles, crear un top de puntuaciones y pulir el juego para que nuestro voluntario pueda entrenar y acabar con el CONSTRUCT-0R de una vez por todas.</a:t>
-            </a:r>
-            <a:endParaRPr lang="es-ES" dirty="0"/>
-          </a:p>
-        </p:txBody>
-      </p:sp>
-    </p:spTree>
-    <p:extLst>
-      <p:ext uri="{BB962C8B-B14F-4D97-AF65-F5344CB8AC3E}">
-        <p14:creationId xmlns:p14="http://schemas.microsoft.com/office/powerpoint/2010/main" val="1209496055"/>
-      </p:ext>
-    </p:extLst>
-  </p:cSld>
-  <p:clrMapOvr>
-    <a:masterClrMapping/>
-  </p:clrMapOvr>
-</p:sld>
-</file>
-
-<file path=ppt/slides/slide9.xml><?xml version="1.0" encoding="utf-8"?>
-<p:sld xmlns:a="http://schemas.openxmlformats.org/drawingml/2006/main" xmlns:r="http://schemas.openxmlformats.org/officeDocument/2006/relationships" xmlns:p="http://schemas.openxmlformats.org/presentationml/2006/main">
-  <p:cSld>
-    <p:spTree>
-      <p:nvGrpSpPr>
-        <p:cNvPr id="1" name=""/>
-        <p:cNvGrpSpPr/>
-        <p:nvPr/>
-      </p:nvGrpSpPr>
-      <p:grpSpPr>
-        <a:xfrm>
-          <a:off x="0" y="0"/>
-          <a:ext cx="0" cy="0"/>
-          <a:chOff x="0" y="0"/>
-          <a:chExt cx="0" cy="0"/>
-        </a:xfrm>
-      </p:grpSpPr>
-      <p:sp>
-        <p:nvSpPr>
-          <p:cNvPr id="2" name="1 Título"/>
-          <p:cNvSpPr>
-            <a:spLocks noGrp="1"/>
-          </p:cNvSpPr>
-          <p:nvPr>
-            <p:ph type="ctrTitle"/>
-          </p:nvPr>
-        </p:nvSpPr>
-        <p:spPr/>
-        <p:txBody>
-          <a:bodyPr/>
-          <a:lstStyle/>
-          <a:p>
-            <a:r>
-              <a:rPr lang="es-ES" dirty="0" smtClean="0"/>
-              <a:t>Fin</a:t>
-            </a:r>
-            <a:endParaRPr lang="es-ES" dirty="0"/>
-          </a:p>
-        </p:txBody>
-      </p:sp>
-      <p:sp>
-        <p:nvSpPr>
-          <p:cNvPr id="3" name="2 Subtítulo"/>
-          <p:cNvSpPr>
-            <a:spLocks noGrp="1"/>
-          </p:cNvSpPr>
-          <p:nvPr>
-            <p:ph type="subTitle" idx="1"/>
-          </p:nvPr>
-        </p:nvSpPr>
-        <p:spPr/>
-        <p:txBody>
-          <a:bodyPr/>
-          <a:lstStyle/>
-          <a:p>
-            <a:r>
-              <a:rPr lang="es-ES" dirty="0" err="1" smtClean="0"/>
-              <a:t>Sacabó</a:t>
-            </a:r>
-            <a:endParaRPr lang="es-ES" dirty="0"/>
-          </a:p>
-        </p:txBody>
-      </p:sp>
     </p:spTree>
     <p:extLst>
       <p:ext uri="{BB962C8B-B14F-4D97-AF65-F5344CB8AC3E}">

--- a/Presentación/Hito 2/Duo Bot_Hito 2.pptx
+++ b/Presentación/Hito 2/Duo Bot_Hito 2.pptx
@@ -6,11 +6,12 @@
   </p:sldMasterIdLst>
   <p:sldIdLst>
     <p:sldId id="256" r:id="rId2"/>
-    <p:sldId id="257" r:id="rId3"/>
-    <p:sldId id="260" r:id="rId4"/>
-    <p:sldId id="262" r:id="rId5"/>
-    <p:sldId id="263" r:id="rId6"/>
-    <p:sldId id="264" r:id="rId7"/>
+    <p:sldId id="265" r:id="rId3"/>
+    <p:sldId id="257" r:id="rId4"/>
+    <p:sldId id="260" r:id="rId5"/>
+    <p:sldId id="262" r:id="rId6"/>
+    <p:sldId id="263" r:id="rId7"/>
+    <p:sldId id="264" r:id="rId8"/>
   </p:sldIdLst>
   <p:sldSz cx="9144000" cy="6858000" type="screen4x3"/>
   <p:notesSz cx="6858000" cy="9144000"/>
@@ -293,7 +294,8 @@
           <a:p>
             <a:fld id="{3FAFE21F-F6A6-4E6E-89EF-7579FEDCEE9C}" type="datetimeFigureOut">
               <a:rPr lang="es-ES" smtClean="0"/>
-              <a:t>17/11/2019</a:t>
+              <a:pPr/>
+              <a:t>19/11/2019</a:t>
             </a:fld>
             <a:endParaRPr lang="es-ES"/>
           </a:p>
@@ -335,6 +337,7 @@
           <a:p>
             <a:fld id="{740AC437-A115-47DB-980B-3058A87166B2}" type="slidenum">
               <a:rPr lang="es-ES" smtClean="0"/>
+              <a:pPr/>
               <a:t>‹Nº›</a:t>
             </a:fld>
             <a:endParaRPr lang="es-ES"/>
@@ -344,7 +347,7 @@
     </p:spTree>
     <p:extLst>
       <p:ext uri="{BB962C8B-B14F-4D97-AF65-F5344CB8AC3E}">
-        <p14:creationId xmlns:p14="http://schemas.microsoft.com/office/powerpoint/2010/main" val="379678603"/>
+        <p14:creationId xmlns="" xmlns:p14="http://schemas.microsoft.com/office/powerpoint/2010/main" val="379678603"/>
       </p:ext>
     </p:extLst>
   </p:cSld>
@@ -463,7 +466,8 @@
           <a:p>
             <a:fld id="{3FAFE21F-F6A6-4E6E-89EF-7579FEDCEE9C}" type="datetimeFigureOut">
               <a:rPr lang="es-ES" smtClean="0"/>
-              <a:t>17/11/2019</a:t>
+              <a:pPr/>
+              <a:t>19/11/2019</a:t>
             </a:fld>
             <a:endParaRPr lang="es-ES"/>
           </a:p>
@@ -505,6 +509,7 @@
           <a:p>
             <a:fld id="{740AC437-A115-47DB-980B-3058A87166B2}" type="slidenum">
               <a:rPr lang="es-ES" smtClean="0"/>
+              <a:pPr/>
               <a:t>‹Nº›</a:t>
             </a:fld>
             <a:endParaRPr lang="es-ES"/>
@@ -514,7 +519,7 @@
     </p:spTree>
     <p:extLst>
       <p:ext uri="{BB962C8B-B14F-4D97-AF65-F5344CB8AC3E}">
-        <p14:creationId xmlns:p14="http://schemas.microsoft.com/office/powerpoint/2010/main" val="3029952734"/>
+        <p14:creationId xmlns="" xmlns:p14="http://schemas.microsoft.com/office/powerpoint/2010/main" val="3029952734"/>
       </p:ext>
     </p:extLst>
   </p:cSld>
@@ -643,7 +648,8 @@
           <a:p>
             <a:fld id="{3FAFE21F-F6A6-4E6E-89EF-7579FEDCEE9C}" type="datetimeFigureOut">
               <a:rPr lang="es-ES" smtClean="0"/>
-              <a:t>17/11/2019</a:t>
+              <a:pPr/>
+              <a:t>19/11/2019</a:t>
             </a:fld>
             <a:endParaRPr lang="es-ES"/>
           </a:p>
@@ -685,6 +691,7 @@
           <a:p>
             <a:fld id="{740AC437-A115-47DB-980B-3058A87166B2}" type="slidenum">
               <a:rPr lang="es-ES" smtClean="0"/>
+              <a:pPr/>
               <a:t>‹Nº›</a:t>
             </a:fld>
             <a:endParaRPr lang="es-ES"/>
@@ -694,7 +701,7 @@
     </p:spTree>
     <p:extLst>
       <p:ext uri="{BB962C8B-B14F-4D97-AF65-F5344CB8AC3E}">
-        <p14:creationId xmlns:p14="http://schemas.microsoft.com/office/powerpoint/2010/main" val="705652937"/>
+        <p14:creationId xmlns="" xmlns:p14="http://schemas.microsoft.com/office/powerpoint/2010/main" val="705652937"/>
       </p:ext>
     </p:extLst>
   </p:cSld>
@@ -813,7 +820,8 @@
           <a:p>
             <a:fld id="{3FAFE21F-F6A6-4E6E-89EF-7579FEDCEE9C}" type="datetimeFigureOut">
               <a:rPr lang="es-ES" smtClean="0"/>
-              <a:t>17/11/2019</a:t>
+              <a:pPr/>
+              <a:t>19/11/2019</a:t>
             </a:fld>
             <a:endParaRPr lang="es-ES"/>
           </a:p>
@@ -855,6 +863,7 @@
           <a:p>
             <a:fld id="{740AC437-A115-47DB-980B-3058A87166B2}" type="slidenum">
               <a:rPr lang="es-ES" smtClean="0"/>
+              <a:pPr/>
               <a:t>‹Nº›</a:t>
             </a:fld>
             <a:endParaRPr lang="es-ES"/>
@@ -864,7 +873,7 @@
     </p:spTree>
     <p:extLst>
       <p:ext uri="{BB962C8B-B14F-4D97-AF65-F5344CB8AC3E}">
-        <p14:creationId xmlns:p14="http://schemas.microsoft.com/office/powerpoint/2010/main" val="4081612359"/>
+        <p14:creationId xmlns="" xmlns:p14="http://schemas.microsoft.com/office/powerpoint/2010/main" val="4081612359"/>
       </p:ext>
     </p:extLst>
   </p:cSld>
@@ -1059,7 +1068,8 @@
           <a:p>
             <a:fld id="{3FAFE21F-F6A6-4E6E-89EF-7579FEDCEE9C}" type="datetimeFigureOut">
               <a:rPr lang="es-ES" smtClean="0"/>
-              <a:t>17/11/2019</a:t>
+              <a:pPr/>
+              <a:t>19/11/2019</a:t>
             </a:fld>
             <a:endParaRPr lang="es-ES"/>
           </a:p>
@@ -1101,6 +1111,7 @@
           <a:p>
             <a:fld id="{740AC437-A115-47DB-980B-3058A87166B2}" type="slidenum">
               <a:rPr lang="es-ES" smtClean="0"/>
+              <a:pPr/>
               <a:t>‹Nº›</a:t>
             </a:fld>
             <a:endParaRPr lang="es-ES"/>
@@ -1110,7 +1121,7 @@
     </p:spTree>
     <p:extLst>
       <p:ext uri="{BB962C8B-B14F-4D97-AF65-F5344CB8AC3E}">
-        <p14:creationId xmlns:p14="http://schemas.microsoft.com/office/powerpoint/2010/main" val="1090188990"/>
+        <p14:creationId xmlns="" xmlns:p14="http://schemas.microsoft.com/office/powerpoint/2010/main" val="1090188990"/>
       </p:ext>
     </p:extLst>
   </p:cSld>
@@ -1347,7 +1358,8 @@
           <a:p>
             <a:fld id="{3FAFE21F-F6A6-4E6E-89EF-7579FEDCEE9C}" type="datetimeFigureOut">
               <a:rPr lang="es-ES" smtClean="0"/>
-              <a:t>17/11/2019</a:t>
+              <a:pPr/>
+              <a:t>19/11/2019</a:t>
             </a:fld>
             <a:endParaRPr lang="es-ES"/>
           </a:p>
@@ -1389,6 +1401,7 @@
           <a:p>
             <a:fld id="{740AC437-A115-47DB-980B-3058A87166B2}" type="slidenum">
               <a:rPr lang="es-ES" smtClean="0"/>
+              <a:pPr/>
               <a:t>‹Nº›</a:t>
             </a:fld>
             <a:endParaRPr lang="es-ES"/>
@@ -1398,7 +1411,7 @@
     </p:spTree>
     <p:extLst>
       <p:ext uri="{BB962C8B-B14F-4D97-AF65-F5344CB8AC3E}">
-        <p14:creationId xmlns:p14="http://schemas.microsoft.com/office/powerpoint/2010/main" val="3069618924"/>
+        <p14:creationId xmlns="" xmlns:p14="http://schemas.microsoft.com/office/powerpoint/2010/main" val="3069618924"/>
       </p:ext>
     </p:extLst>
   </p:cSld>
@@ -1769,7 +1782,8 @@
           <a:p>
             <a:fld id="{3FAFE21F-F6A6-4E6E-89EF-7579FEDCEE9C}" type="datetimeFigureOut">
               <a:rPr lang="es-ES" smtClean="0"/>
-              <a:t>17/11/2019</a:t>
+              <a:pPr/>
+              <a:t>19/11/2019</a:t>
             </a:fld>
             <a:endParaRPr lang="es-ES"/>
           </a:p>
@@ -1811,6 +1825,7 @@
           <a:p>
             <a:fld id="{740AC437-A115-47DB-980B-3058A87166B2}" type="slidenum">
               <a:rPr lang="es-ES" smtClean="0"/>
+              <a:pPr/>
               <a:t>‹Nº›</a:t>
             </a:fld>
             <a:endParaRPr lang="es-ES"/>
@@ -1820,7 +1835,7 @@
     </p:spTree>
     <p:extLst>
       <p:ext uri="{BB962C8B-B14F-4D97-AF65-F5344CB8AC3E}">
-        <p14:creationId xmlns:p14="http://schemas.microsoft.com/office/powerpoint/2010/main" val="2881375748"/>
+        <p14:creationId xmlns="" xmlns:p14="http://schemas.microsoft.com/office/powerpoint/2010/main" val="2881375748"/>
       </p:ext>
     </p:extLst>
   </p:cSld>
@@ -1887,7 +1902,8 @@
           <a:p>
             <a:fld id="{3FAFE21F-F6A6-4E6E-89EF-7579FEDCEE9C}" type="datetimeFigureOut">
               <a:rPr lang="es-ES" smtClean="0"/>
-              <a:t>17/11/2019</a:t>
+              <a:pPr/>
+              <a:t>19/11/2019</a:t>
             </a:fld>
             <a:endParaRPr lang="es-ES"/>
           </a:p>
@@ -1929,6 +1945,7 @@
           <a:p>
             <a:fld id="{740AC437-A115-47DB-980B-3058A87166B2}" type="slidenum">
               <a:rPr lang="es-ES" smtClean="0"/>
+              <a:pPr/>
               <a:t>‹Nº›</a:t>
             </a:fld>
             <a:endParaRPr lang="es-ES"/>
@@ -1938,7 +1955,7 @@
     </p:spTree>
     <p:extLst>
       <p:ext uri="{BB962C8B-B14F-4D97-AF65-F5344CB8AC3E}">
-        <p14:creationId xmlns:p14="http://schemas.microsoft.com/office/powerpoint/2010/main" val="2099503502"/>
+        <p14:creationId xmlns="" xmlns:p14="http://schemas.microsoft.com/office/powerpoint/2010/main" val="2099503502"/>
       </p:ext>
     </p:extLst>
   </p:cSld>
@@ -1982,7 +1999,8 @@
           <a:p>
             <a:fld id="{3FAFE21F-F6A6-4E6E-89EF-7579FEDCEE9C}" type="datetimeFigureOut">
               <a:rPr lang="es-ES" smtClean="0"/>
-              <a:t>17/11/2019</a:t>
+              <a:pPr/>
+              <a:t>19/11/2019</a:t>
             </a:fld>
             <a:endParaRPr lang="es-ES"/>
           </a:p>
@@ -2024,6 +2042,7 @@
           <a:p>
             <a:fld id="{740AC437-A115-47DB-980B-3058A87166B2}" type="slidenum">
               <a:rPr lang="es-ES" smtClean="0"/>
+              <a:pPr/>
               <a:t>‹Nº›</a:t>
             </a:fld>
             <a:endParaRPr lang="es-ES"/>
@@ -2033,7 +2052,7 @@
     </p:spTree>
     <p:extLst>
       <p:ext uri="{BB962C8B-B14F-4D97-AF65-F5344CB8AC3E}">
-        <p14:creationId xmlns:p14="http://schemas.microsoft.com/office/powerpoint/2010/main" val="1293812843"/>
+        <p14:creationId xmlns="" xmlns:p14="http://schemas.microsoft.com/office/powerpoint/2010/main" val="1293812843"/>
       </p:ext>
     </p:extLst>
   </p:cSld>
@@ -2259,7 +2278,8 @@
           <a:p>
             <a:fld id="{3FAFE21F-F6A6-4E6E-89EF-7579FEDCEE9C}" type="datetimeFigureOut">
               <a:rPr lang="es-ES" smtClean="0"/>
-              <a:t>17/11/2019</a:t>
+              <a:pPr/>
+              <a:t>19/11/2019</a:t>
             </a:fld>
             <a:endParaRPr lang="es-ES"/>
           </a:p>
@@ -2301,6 +2321,7 @@
           <a:p>
             <a:fld id="{740AC437-A115-47DB-980B-3058A87166B2}" type="slidenum">
               <a:rPr lang="es-ES" smtClean="0"/>
+              <a:pPr/>
               <a:t>‹Nº›</a:t>
             </a:fld>
             <a:endParaRPr lang="es-ES"/>
@@ -2310,7 +2331,7 @@
     </p:spTree>
     <p:extLst>
       <p:ext uri="{BB962C8B-B14F-4D97-AF65-F5344CB8AC3E}">
-        <p14:creationId xmlns:p14="http://schemas.microsoft.com/office/powerpoint/2010/main" val="3105457070"/>
+        <p14:creationId xmlns="" xmlns:p14="http://schemas.microsoft.com/office/powerpoint/2010/main" val="3105457070"/>
       </p:ext>
     </p:extLst>
   </p:cSld>
@@ -2512,7 +2533,8 @@
           <a:p>
             <a:fld id="{3FAFE21F-F6A6-4E6E-89EF-7579FEDCEE9C}" type="datetimeFigureOut">
               <a:rPr lang="es-ES" smtClean="0"/>
-              <a:t>17/11/2019</a:t>
+              <a:pPr/>
+              <a:t>19/11/2019</a:t>
             </a:fld>
             <a:endParaRPr lang="es-ES"/>
           </a:p>
@@ -2554,6 +2576,7 @@
           <a:p>
             <a:fld id="{740AC437-A115-47DB-980B-3058A87166B2}" type="slidenum">
               <a:rPr lang="es-ES" smtClean="0"/>
+              <a:pPr/>
               <a:t>‹Nº›</a:t>
             </a:fld>
             <a:endParaRPr lang="es-ES"/>
@@ -2563,7 +2586,7 @@
     </p:spTree>
     <p:extLst>
       <p:ext uri="{BB962C8B-B14F-4D97-AF65-F5344CB8AC3E}">
-        <p14:creationId xmlns:p14="http://schemas.microsoft.com/office/powerpoint/2010/main" val="1811546125"/>
+        <p14:creationId xmlns="" xmlns:p14="http://schemas.microsoft.com/office/powerpoint/2010/main" val="1811546125"/>
       </p:ext>
     </p:extLst>
   </p:cSld>
@@ -2725,7 +2748,8 @@
           <a:p>
             <a:fld id="{3FAFE21F-F6A6-4E6E-89EF-7579FEDCEE9C}" type="datetimeFigureOut">
               <a:rPr lang="es-ES" smtClean="0"/>
-              <a:t>17/11/2019</a:t>
+              <a:pPr/>
+              <a:t>19/11/2019</a:t>
             </a:fld>
             <a:endParaRPr lang="es-ES"/>
           </a:p>
@@ -2803,6 +2827,7 @@
           <a:p>
             <a:fld id="{740AC437-A115-47DB-980B-3058A87166B2}" type="slidenum">
               <a:rPr lang="es-ES" smtClean="0"/>
+              <a:pPr/>
               <a:t>‹Nº›</a:t>
             </a:fld>
             <a:endParaRPr lang="es-ES"/>
@@ -2812,7 +2837,7 @@
     </p:spTree>
     <p:extLst>
       <p:ext uri="{BB962C8B-B14F-4D97-AF65-F5344CB8AC3E}">
-        <p14:creationId xmlns:p14="http://schemas.microsoft.com/office/powerpoint/2010/main" val="2442617420"/>
+        <p14:creationId xmlns="" xmlns:p14="http://schemas.microsoft.com/office/powerpoint/2010/main" val="2442617420"/>
       </p:ext>
     </p:extLst>
   </p:cSld>
@@ -3089,7 +3114,7 @@
     <p:bg>
       <p:bgPr>
         <a:blipFill dpi="0" rotWithShape="1">
-          <a:blip r:embed="rId2">
+          <a:blip r:embed="rId2" cstate="print">
             <a:lum/>
           </a:blip>
           <a:srcRect/>
@@ -3147,13 +3172,20 @@
     </p:spTree>
     <p:extLst>
       <p:ext uri="{BB962C8B-B14F-4D97-AF65-F5344CB8AC3E}">
-        <p14:creationId xmlns:p14="http://schemas.microsoft.com/office/powerpoint/2010/main" val="499266148"/>
+        <p14:creationId xmlns="" xmlns:p14="http://schemas.microsoft.com/office/powerpoint/2010/main" val="499266148"/>
       </p:ext>
     </p:extLst>
   </p:cSld>
   <p:clrMapOvr>
     <a:masterClrMapping/>
   </p:clrMapOvr>
+  <p:timing>
+    <p:tnLst>
+      <p:par>
+        <p:cTn id="1" dur="indefinite" restart="never" nodeType="tmRoot"/>
+      </p:par>
+    </p:tnLst>
+  </p:timing>
 </p:sld>
 </file>
 
@@ -3163,7 +3195,51 @@
     <p:bg>
       <p:bgPr>
         <a:blipFill dpi="0" rotWithShape="1">
-          <a:blip r:embed="rId2">
+          <a:blip r:embed="rId2" cstate="print"/>
+          <a:srcRect/>
+          <a:stretch>
+            <a:fillRect/>
+          </a:stretch>
+        </a:blipFill>
+        <a:effectLst/>
+      </p:bgPr>
+    </p:bg>
+    <p:spTree>
+      <p:nvGrpSpPr>
+        <p:cNvPr id="1" name=""/>
+        <p:cNvGrpSpPr/>
+        <p:nvPr/>
+      </p:nvGrpSpPr>
+      <p:grpSpPr>
+        <a:xfrm>
+          <a:off x="0" y="0"/>
+          <a:ext cx="0" cy="0"/>
+          <a:chOff x="0" y="0"/>
+          <a:chExt cx="0" cy="0"/>
+        </a:xfrm>
+      </p:grpSpPr>
+    </p:spTree>
+  </p:cSld>
+  <p:clrMapOvr>
+    <a:masterClrMapping/>
+  </p:clrMapOvr>
+  <p:timing>
+    <p:tnLst>
+      <p:par>
+        <p:cTn id="1" dur="indefinite" restart="never" nodeType="tmRoot"/>
+      </p:par>
+    </p:tnLst>
+  </p:timing>
+</p:sld>
+</file>
+
+<file path=ppt/slides/slide3.xml><?xml version="1.0" encoding="utf-8"?>
+<p:sld xmlns:a="http://schemas.openxmlformats.org/drawingml/2006/main" xmlns:r="http://schemas.openxmlformats.org/officeDocument/2006/relationships" xmlns:p="http://schemas.openxmlformats.org/presentationml/2006/main">
+  <p:cSld>
+    <p:bg>
+      <p:bgPr>
+        <a:blipFill dpi="0" rotWithShape="1">
+          <a:blip r:embed="rId2" cstate="print">
             <a:lum/>
           </a:blip>
           <a:srcRect/>
@@ -3191,23 +3267,30 @@
     </p:spTree>
     <p:extLst>
       <p:ext uri="{BB962C8B-B14F-4D97-AF65-F5344CB8AC3E}">
-        <p14:creationId xmlns:p14="http://schemas.microsoft.com/office/powerpoint/2010/main" val="2824087533"/>
+        <p14:creationId xmlns="" xmlns:p14="http://schemas.microsoft.com/office/powerpoint/2010/main" val="2824087533"/>
       </p:ext>
     </p:extLst>
   </p:cSld>
   <p:clrMapOvr>
     <a:masterClrMapping/>
   </p:clrMapOvr>
+  <p:timing>
+    <p:tnLst>
+      <p:par>
+        <p:cTn id="1" dur="indefinite" restart="never" nodeType="tmRoot"/>
+      </p:par>
+    </p:tnLst>
+  </p:timing>
 </p:sld>
 </file>
 
-<file path=ppt/slides/slide3.xml><?xml version="1.0" encoding="utf-8"?>
+<file path=ppt/slides/slide4.xml><?xml version="1.0" encoding="utf-8"?>
 <p:sld xmlns:a="http://schemas.openxmlformats.org/drawingml/2006/main" xmlns:r="http://schemas.openxmlformats.org/officeDocument/2006/relationships" xmlns:p="http://schemas.openxmlformats.org/presentationml/2006/main">
   <p:cSld>
     <p:bg>
       <p:bgPr>
         <a:blipFill dpi="0" rotWithShape="1">
-          <a:blip r:embed="rId2">
+          <a:blip r:embed="rId2" cstate="print">
             <a:lum/>
           </a:blip>
           <a:srcRect/>
@@ -3244,7 +3327,7 @@
           <a:blip r:embed="rId3" cstate="print">
             <a:extLst>
               <a:ext uri="{28A0092B-C50C-407E-A947-70E740481C1C}">
-                <a14:useLocalDpi xmlns:a14="http://schemas.microsoft.com/office/drawing/2010/main" val="0"/>
+                <a14:useLocalDpi xmlns="" xmlns:a14="http://schemas.microsoft.com/office/drawing/2010/main" val="0"/>
               </a:ext>
             </a:extLst>
           </a:blip>
@@ -3274,7 +3357,7 @@
           <a:blip r:embed="rId4" cstate="print">
             <a:extLst>
               <a:ext uri="{28A0092B-C50C-407E-A947-70E740481C1C}">
-                <a14:useLocalDpi xmlns:a14="http://schemas.microsoft.com/office/drawing/2010/main" val="0"/>
+                <a14:useLocalDpi xmlns="" xmlns:a14="http://schemas.microsoft.com/office/drawing/2010/main" val="0"/>
               </a:ext>
             </a:extLst>
           </a:blip>
@@ -3304,7 +3387,7 @@
           <a:blip r:embed="rId4" cstate="print">
             <a:extLst>
               <a:ext uri="{28A0092B-C50C-407E-A947-70E740481C1C}">
-                <a14:useLocalDpi xmlns:a14="http://schemas.microsoft.com/office/drawing/2010/main" val="0"/>
+                <a14:useLocalDpi xmlns="" xmlns:a14="http://schemas.microsoft.com/office/drawing/2010/main" val="0"/>
               </a:ext>
             </a:extLst>
           </a:blip>
@@ -3325,23 +3408,30 @@
     </p:spTree>
     <p:extLst>
       <p:ext uri="{BB962C8B-B14F-4D97-AF65-F5344CB8AC3E}">
-        <p14:creationId xmlns:p14="http://schemas.microsoft.com/office/powerpoint/2010/main" val="969595518"/>
+        <p14:creationId xmlns="" xmlns:p14="http://schemas.microsoft.com/office/powerpoint/2010/main" val="969595518"/>
       </p:ext>
     </p:extLst>
   </p:cSld>
   <p:clrMapOvr>
     <a:masterClrMapping/>
   </p:clrMapOvr>
+  <p:timing>
+    <p:tnLst>
+      <p:par>
+        <p:cTn id="1" dur="indefinite" restart="never" nodeType="tmRoot"/>
+      </p:par>
+    </p:tnLst>
+  </p:timing>
 </p:sld>
 </file>
 
-<file path=ppt/slides/slide4.xml><?xml version="1.0" encoding="utf-8"?>
+<file path=ppt/slides/slide5.xml><?xml version="1.0" encoding="utf-8"?>
 <p:sld xmlns:a="http://schemas.openxmlformats.org/drawingml/2006/main" xmlns:r="http://schemas.openxmlformats.org/officeDocument/2006/relationships" xmlns:p="http://schemas.openxmlformats.org/presentationml/2006/main">
   <p:cSld>
     <p:bg>
       <p:bgPr>
         <a:blipFill dpi="0" rotWithShape="1">
-          <a:blip r:embed="rId2">
+          <a:blip r:embed="rId2" cstate="print">
             <a:lum/>
           </a:blip>
           <a:srcRect/>
@@ -3366,26 +3456,192 @@
           <a:chExt cx="0" cy="0"/>
         </a:xfrm>
       </p:grpSpPr>
+      <p:sp>
+        <p:nvSpPr>
+          <p:cNvPr id="2" name="1 CuadroTexto"/>
+          <p:cNvSpPr txBox="1"/>
+          <p:nvPr/>
+        </p:nvSpPr>
+        <p:spPr>
+          <a:xfrm rot="921719">
+            <a:off x="-2196752" y="260648"/>
+            <a:ext cx="1800200" cy="1015663"/>
+          </a:xfrm>
+          <a:prstGeom prst="rect">
+            <a:avLst/>
+          </a:prstGeom>
+          <a:noFill/>
+        </p:spPr>
+        <p:txBody>
+          <a:bodyPr wrap="square" rtlCol="0">
+            <a:spAutoFit/>
+          </a:bodyPr>
+          <a:lstStyle/>
+          <a:p>
+            <a:pPr algn="ctr"/>
+            <a:r>
+              <a:rPr lang="es-ES" sz="6000" b="1" dirty="0" smtClean="0">
+                <a:latin typeface="Berlin Sans FB Demi" pitchFamily="34" charset="0"/>
+              </a:rPr>
+              <a:t>TPV</a:t>
+            </a:r>
+            <a:endParaRPr lang="es-ES" sz="6000" b="1" dirty="0">
+              <a:latin typeface="Berlin Sans FB Demi" pitchFamily="34" charset="0"/>
+            </a:endParaRPr>
+          </a:p>
+        </p:txBody>
+      </p:sp>
+      <p:sp>
+        <p:nvSpPr>
+          <p:cNvPr id="3" name="2 CuadroTexto"/>
+          <p:cNvSpPr txBox="1"/>
+          <p:nvPr/>
+        </p:nvSpPr>
+        <p:spPr>
+          <a:xfrm rot="20742120">
+            <a:off x="10007681" y="461092"/>
+            <a:ext cx="5832648" cy="1015663"/>
+          </a:xfrm>
+          <a:prstGeom prst="rect">
+            <a:avLst/>
+          </a:prstGeom>
+          <a:noFill/>
+        </p:spPr>
+        <p:txBody>
+          <a:bodyPr wrap="square" rtlCol="0">
+            <a:spAutoFit/>
+          </a:bodyPr>
+          <a:lstStyle/>
+          <a:p>
+            <a:pPr algn="ctr"/>
+            <a:r>
+              <a:rPr lang="es-ES" sz="6000" b="1" dirty="0" smtClean="0">
+                <a:latin typeface="Berlin Sans FB Demi" pitchFamily="34" charset="0"/>
+              </a:rPr>
+              <a:t>MODELADO</a:t>
+            </a:r>
+            <a:endParaRPr lang="es-ES" sz="6000" b="1" dirty="0">
+              <a:latin typeface="Berlin Sans FB Demi" pitchFamily="34" charset="0"/>
+            </a:endParaRPr>
+          </a:p>
+        </p:txBody>
+      </p:sp>
     </p:spTree>
     <p:extLst>
       <p:ext uri="{BB962C8B-B14F-4D97-AF65-F5344CB8AC3E}">
-        <p14:creationId xmlns:p14="http://schemas.microsoft.com/office/powerpoint/2010/main" val="184255913"/>
+        <p14:creationId xmlns="" xmlns:p14="http://schemas.microsoft.com/office/powerpoint/2010/main" val="184255913"/>
       </p:ext>
     </p:extLst>
   </p:cSld>
   <p:clrMapOvr>
     <a:masterClrMapping/>
   </p:clrMapOvr>
+  <p:timing>
+    <p:tnLst>
+      <p:par>
+        <p:cTn id="1" dur="indefinite" restart="never" nodeType="tmRoot">
+          <p:childTnLst>
+            <p:seq concurrent="1" nextAc="seek">
+              <p:cTn id="2" dur="indefinite" nodeType="mainSeq">
+                <p:childTnLst>
+                  <p:par>
+                    <p:cTn id="3" fill="hold">
+                      <p:stCondLst>
+                        <p:cond delay="indefinite"/>
+                      </p:stCondLst>
+                      <p:childTnLst>
+                        <p:par>
+                          <p:cTn id="4" fill="hold">
+                            <p:stCondLst>
+                              <p:cond delay="0"/>
+                            </p:stCondLst>
+                            <p:childTnLst>
+                              <p:par>
+                                <p:cTn id="5" presetID="49" presetClass="path" presetSubtype="0" accel="50000" decel="50000" fill="hold" grpId="0" nodeType="clickEffect">
+                                  <p:stCondLst>
+                                    <p:cond delay="0"/>
+                                  </p:stCondLst>
+                                  <p:childTnLst>
+                                    <p:animMotion origin="layout" path="M -5E-6 -7.40741E-7 L 1.40955 1.07107 " pathEditMode="relative" rAng="0" ptsTypes="AA">
+                                      <p:cBhvr>
+                                        <p:cTn id="6" dur="2000" fill="hold"/>
+                                        <p:tgtEl>
+                                          <p:spTgt spid="2"/>
+                                        </p:tgtEl>
+                                        <p:attrNameLst>
+                                          <p:attrName>ppt_x</p:attrName>
+                                          <p:attrName>ppt_y</p:attrName>
+                                        </p:attrNameLst>
+                                      </p:cBhvr>
+                                      <p:rCtr x="705" y="535"/>
+                                    </p:animMotion>
+                                  </p:childTnLst>
+                                </p:cTn>
+                              </p:par>
+                              <p:par>
+                                <p:cTn id="7" presetID="56" presetClass="path" presetSubtype="0" accel="50000" decel="50000" fill="hold" grpId="0" nodeType="withEffect">
+                                  <p:stCondLst>
+                                    <p:cond delay="0"/>
+                                  </p:stCondLst>
+                                  <p:childTnLst>
+                                    <p:animMotion origin="layout" path="M 1.94444E-6 0.00186 L -1.69306 0.75973 " pathEditMode="relative" rAng="0" ptsTypes="AA">
+                                      <p:cBhvr>
+                                        <p:cTn id="8" dur="2000" fill="hold"/>
+                                        <p:tgtEl>
+                                          <p:spTgt spid="3"/>
+                                        </p:tgtEl>
+                                        <p:attrNameLst>
+                                          <p:attrName>ppt_x</p:attrName>
+                                          <p:attrName>ppt_y</p:attrName>
+                                        </p:attrNameLst>
+                                      </p:cBhvr>
+                                      <p:rCtr x="-847" y="379"/>
+                                    </p:animMotion>
+                                  </p:childTnLst>
+                                </p:cTn>
+                              </p:par>
+                            </p:childTnLst>
+                          </p:cTn>
+                        </p:par>
+                      </p:childTnLst>
+                    </p:cTn>
+                  </p:par>
+                </p:childTnLst>
+              </p:cTn>
+              <p:prevCondLst>
+                <p:cond evt="onPrev" delay="0">
+                  <p:tgtEl>
+                    <p:sldTgt/>
+                  </p:tgtEl>
+                </p:cond>
+              </p:prevCondLst>
+              <p:nextCondLst>
+                <p:cond evt="onNext" delay="0">
+                  <p:tgtEl>
+                    <p:sldTgt/>
+                  </p:tgtEl>
+                </p:cond>
+              </p:nextCondLst>
+            </p:seq>
+          </p:childTnLst>
+        </p:cTn>
+      </p:par>
+    </p:tnLst>
+    <p:bldLst>
+      <p:bldP spid="2" grpId="0"/>
+      <p:bldP spid="3" grpId="0"/>
+    </p:bldLst>
+  </p:timing>
 </p:sld>
 </file>
 
-<file path=ppt/slides/slide5.xml><?xml version="1.0" encoding="utf-8"?>
+<file path=ppt/slides/slide6.xml><?xml version="1.0" encoding="utf-8"?>
 <p:sld xmlns:a="http://schemas.openxmlformats.org/drawingml/2006/main" xmlns:r="http://schemas.openxmlformats.org/officeDocument/2006/relationships" xmlns:p="http://schemas.openxmlformats.org/presentationml/2006/main">
   <p:cSld>
     <p:bg>
       <p:bgPr>
         <a:blipFill dpi="0" rotWithShape="1">
-          <a:blip r:embed="rId2">
+          <a:blip r:embed="rId2" cstate="print">
             <a:lum/>
           </a:blip>
           <a:srcRect/>
@@ -3413,23 +3669,30 @@
     </p:spTree>
     <p:extLst>
       <p:ext uri="{BB962C8B-B14F-4D97-AF65-F5344CB8AC3E}">
-        <p14:creationId xmlns:p14="http://schemas.microsoft.com/office/powerpoint/2010/main" val="1209496055"/>
+        <p14:creationId xmlns="" xmlns:p14="http://schemas.microsoft.com/office/powerpoint/2010/main" val="1209496055"/>
       </p:ext>
     </p:extLst>
   </p:cSld>
   <p:clrMapOvr>
     <a:masterClrMapping/>
   </p:clrMapOvr>
+  <p:timing>
+    <p:tnLst>
+      <p:par>
+        <p:cTn id="1" dur="indefinite" restart="never" nodeType="tmRoot"/>
+      </p:par>
+    </p:tnLst>
+  </p:timing>
 </p:sld>
 </file>
 
-<file path=ppt/slides/slide6.xml><?xml version="1.0" encoding="utf-8"?>
+<file path=ppt/slides/slide7.xml><?xml version="1.0" encoding="utf-8"?>
 <p:sld xmlns:a="http://schemas.openxmlformats.org/drawingml/2006/main" xmlns:r="http://schemas.openxmlformats.org/officeDocument/2006/relationships" xmlns:p="http://schemas.openxmlformats.org/presentationml/2006/main">
   <p:cSld>
     <p:bg>
       <p:bgPr>
         <a:blipFill dpi="0" rotWithShape="1">
-          <a:blip r:embed="rId2">
+          <a:blip r:embed="rId2" cstate="print">
             <a:lum/>
           </a:blip>
           <a:srcRect/>
@@ -3457,13 +3720,20 @@
     </p:spTree>
     <p:extLst>
       <p:ext uri="{BB962C8B-B14F-4D97-AF65-F5344CB8AC3E}">
-        <p14:creationId xmlns:p14="http://schemas.microsoft.com/office/powerpoint/2010/main" val="938454661"/>
+        <p14:creationId xmlns="" xmlns:p14="http://schemas.microsoft.com/office/powerpoint/2010/main" val="938454661"/>
       </p:ext>
     </p:extLst>
   </p:cSld>
   <p:clrMapOvr>
     <a:masterClrMapping/>
   </p:clrMapOvr>
+  <p:timing>
+    <p:tnLst>
+      <p:par>
+        <p:cTn id="1" dur="indefinite" restart="never" nodeType="tmRoot"/>
+      </p:par>
+    </p:tnLst>
+  </p:timing>
 </p:sld>
 </file>
 
